--- a/readings/intro-xml.pptx
+++ b/readings/intro-xml.pptx
@@ -7721,24 +7721,40 @@
           <a:bodyPr/>
           <a:lstStyle/>
           <a:p>
+            <a:pPr marL="457200" indent="-457200">
+              <a:buFont typeface="+mj-lt"/>
+              <a:buAutoNum type="arabicPeriod"/>
+            </a:pPr>
             <a:r>
               <a:rPr lang="en-US" dirty="0" smtClean="0"/>
               <a:t>Useful for sharing data between formats</a:t>
             </a:r>
           </a:p>
           <a:p>
+            <a:pPr marL="457200" indent="-457200">
+              <a:buFont typeface="+mj-lt"/>
+              <a:buAutoNum type="arabicPeriod"/>
+            </a:pPr>
             <a:r>
               <a:rPr lang="en-US" dirty="0" smtClean="0"/>
               <a:t>Requires structure and hierarchy while still being extremely flexible</a:t>
             </a:r>
           </a:p>
           <a:p>
+            <a:pPr marL="457200" indent="-457200">
+              <a:buFont typeface="+mj-lt"/>
+              <a:buAutoNum type="arabicPeriod"/>
+            </a:pPr>
             <a:r>
               <a:rPr lang="en-US" dirty="0" smtClean="0"/>
               <a:t>Inherently semantic and intended for humans AND machines</a:t>
             </a:r>
           </a:p>
           <a:p>
+            <a:pPr marL="457200" indent="-457200">
+              <a:buFont typeface="+mj-lt"/>
+              <a:buAutoNum type="arabicPeriod"/>
+            </a:pPr>
             <a:r>
               <a:rPr lang="en-US" dirty="0" smtClean="0"/>
               <a:t>Extremely simple (just text describing text). That’s it. </a:t>
@@ -7789,8 +7805,8 @@
         </p:nvSpPr>
         <p:spPr>
           <a:xfrm>
-            <a:off x="1790049" y="590042"/>
-            <a:ext cx="6455426" cy="993965"/>
+            <a:off x="1216995" y="317516"/>
+            <a:ext cx="7028480" cy="1266492"/>
           </a:xfrm>
         </p:spPr>
         <p:txBody>
@@ -7801,7 +7817,18 @@
           <a:p>
             <a:r>
               <a:rPr lang="en-US" dirty="0" smtClean="0"/>
-              <a:t>XML is: Useful </a:t>
+              <a:t/>
+            </a:r>
+            <a:br>
+              <a:rPr lang="en-US" dirty="0" smtClean="0"/>
+            </a:br>
+            <a:r>
+              <a:rPr lang="en-US" dirty="0" smtClean="0"/>
+              <a:t>XML </a:t>
+            </a:r>
+            <a:r>
+              <a:rPr lang="en-US" dirty="0" smtClean="0"/>
+              <a:t>is: Useful </a:t>
             </a:r>
             <a:r>
               <a:rPr lang="en-US" dirty="0"/>
@@ -8538,17 +8565,33 @@
             </a:pPr>
             <a:r>
               <a:rPr lang="en-US" dirty="0" smtClean="0"/>
-              <a:t>Mark it up! Push to </a:t>
+              <a:t>Mark it up</a:t>
+            </a:r>
+            <a:r>
+              <a:rPr lang="en-US" dirty="0" smtClean="0"/>
+              <a:t>! Choose two faculty members to create an XML schema. </a:t>
+            </a:r>
+          </a:p>
+          <a:p>
+            <a:pPr marL="0" indent="0">
+              <a:buNone/>
+            </a:pPr>
+            <a:r>
+              <a:rPr lang="en-US" dirty="0" smtClean="0"/>
+              <a:t>Push </a:t>
+            </a:r>
+            <a:r>
+              <a:rPr lang="en-US" dirty="0" smtClean="0"/>
+              <a:t>to </a:t>
             </a:r>
             <a:r>
               <a:rPr lang="en-US" dirty="0" err="1" smtClean="0"/>
               <a:t>Git</a:t>
             </a:r>
             <a:r>
-              <a:rPr lang="en-US" smtClean="0"/>
+              <a:rPr lang="en-US" dirty="0" smtClean="0"/>
               <a:t>. </a:t>
             </a:r>
-            <a:endParaRPr lang="en-US" dirty="0" smtClean="0"/>
           </a:p>
           <a:p>
             <a:pPr marL="0" indent="0">
@@ -8560,12 +8603,13 @@
             </a:r>
             <a:r>
               <a:rPr lang="en-US" dirty="0" err="1"/>
-              <a:t>www.recipe.com</a:t>
+              <a:t>tc.unt.edu</a:t>
             </a:r>
             <a:r>
               <a:rPr lang="en-US" dirty="0"/>
-              <a:t>/pumpkin-cinnamon-muffins/</a:t>
-            </a:r>
+              <a:t>/faculty</a:t>
+            </a:r>
+            <a:endParaRPr lang="en-US" dirty="0"/>
           </a:p>
         </p:txBody>
       </p:sp>
